--- a/docs/diagrams/UiComponentClassDiagram.pptx
+++ b/docs/diagrams/UiComponentClassDiagram.pptx
@@ -126,6 +126,10 @@
 </p:presentation>
 </file>
 
+<file path=ppt/revisionInfo.xml><?xml version="1.0" encoding="utf-8"?>
+<p1510:revInfo xmlns:a="http://schemas.openxmlformats.org/drawingml/2006/main" xmlns:r="http://schemas.openxmlformats.org/officeDocument/2006/relationships" xmlns:p1510="http://schemas.microsoft.com/office/powerpoint/2015/10/main"/>
+</file>
+
 <file path=ppt/notesMasters/notesMaster1.xml><?xml version="1.0" encoding="utf-8"?>
 <p:notesMaster xmlns:a="http://schemas.openxmlformats.org/drawingml/2006/main" xmlns:r="http://schemas.openxmlformats.org/officeDocument/2006/relationships" xmlns:p="http://schemas.openxmlformats.org/presentationml/2006/main">
   <p:cSld>
@@ -208,7 +212,7 @@
           <a:p>
             <a:fld id="{F5CC4B3F-88C1-4FFA-B1B6-F41C21DC6924}" type="datetimeFigureOut">
               <a:rPr lang="en-US" smtClean="0"/>
-              <a:t>1/7/2017</a:t>
+              <a:t>11/10/2017</a:t>
             </a:fld>
             <a:endParaRPr lang="en-US"/>
           </a:p>
@@ -654,7 +658,7 @@
           <a:p>
             <a:fld id="{78C97017-6FC3-485B-9764-EAC9E56C1D49}" type="datetimeFigureOut">
               <a:rPr lang="en-US" smtClean="0"/>
-              <a:t>1/7/2017</a:t>
+              <a:t>11/10/2017</a:t>
             </a:fld>
             <a:endParaRPr lang="en-US"/>
           </a:p>
@@ -822,7 +826,7 @@
           <a:p>
             <a:fld id="{78C97017-6FC3-485B-9764-EAC9E56C1D49}" type="datetimeFigureOut">
               <a:rPr lang="en-US" smtClean="0"/>
-              <a:t>1/7/2017</a:t>
+              <a:t>11/10/2017</a:t>
             </a:fld>
             <a:endParaRPr lang="en-US"/>
           </a:p>
@@ -1000,7 +1004,7 @@
           <a:p>
             <a:fld id="{78C97017-6FC3-485B-9764-EAC9E56C1D49}" type="datetimeFigureOut">
               <a:rPr lang="en-US" smtClean="0"/>
-              <a:t>1/7/2017</a:t>
+              <a:t>11/10/2017</a:t>
             </a:fld>
             <a:endParaRPr lang="en-US"/>
           </a:p>
@@ -1168,7 +1172,7 @@
           <a:p>
             <a:fld id="{78C97017-6FC3-485B-9764-EAC9E56C1D49}" type="datetimeFigureOut">
               <a:rPr lang="en-US" smtClean="0"/>
-              <a:t>1/7/2017</a:t>
+              <a:t>11/10/2017</a:t>
             </a:fld>
             <a:endParaRPr lang="en-US"/>
           </a:p>
@@ -1413,7 +1417,7 @@
           <a:p>
             <a:fld id="{78C97017-6FC3-485B-9764-EAC9E56C1D49}" type="datetimeFigureOut">
               <a:rPr lang="en-US" smtClean="0"/>
-              <a:t>1/7/2017</a:t>
+              <a:t>11/10/2017</a:t>
             </a:fld>
             <a:endParaRPr lang="en-US"/>
           </a:p>
@@ -1698,7 +1702,7 @@
           <a:p>
             <a:fld id="{78C97017-6FC3-485B-9764-EAC9E56C1D49}" type="datetimeFigureOut">
               <a:rPr lang="en-US" smtClean="0"/>
-              <a:t>1/7/2017</a:t>
+              <a:t>11/10/2017</a:t>
             </a:fld>
             <a:endParaRPr lang="en-US"/>
           </a:p>
@@ -2117,7 +2121,7 @@
           <a:p>
             <a:fld id="{78C97017-6FC3-485B-9764-EAC9E56C1D49}" type="datetimeFigureOut">
               <a:rPr lang="en-US" smtClean="0"/>
-              <a:t>1/7/2017</a:t>
+              <a:t>11/10/2017</a:t>
             </a:fld>
             <a:endParaRPr lang="en-US"/>
           </a:p>
@@ -2234,7 +2238,7 @@
           <a:p>
             <a:fld id="{78C97017-6FC3-485B-9764-EAC9E56C1D49}" type="datetimeFigureOut">
               <a:rPr lang="en-US" smtClean="0"/>
-              <a:t>1/7/2017</a:t>
+              <a:t>11/10/2017</a:t>
             </a:fld>
             <a:endParaRPr lang="en-US"/>
           </a:p>
@@ -2329,7 +2333,7 @@
           <a:p>
             <a:fld id="{78C97017-6FC3-485B-9764-EAC9E56C1D49}" type="datetimeFigureOut">
               <a:rPr lang="en-US" smtClean="0"/>
-              <a:t>1/7/2017</a:t>
+              <a:t>11/10/2017</a:t>
             </a:fld>
             <a:endParaRPr lang="en-US"/>
           </a:p>
@@ -2604,7 +2608,7 @@
           <a:p>
             <a:fld id="{78C97017-6FC3-485B-9764-EAC9E56C1D49}" type="datetimeFigureOut">
               <a:rPr lang="en-US" smtClean="0"/>
-              <a:t>1/7/2017</a:t>
+              <a:t>11/10/2017</a:t>
             </a:fld>
             <a:endParaRPr lang="en-US"/>
           </a:p>
@@ -2856,7 +2860,7 @@
           <a:p>
             <a:fld id="{78C97017-6FC3-485B-9764-EAC9E56C1D49}" type="datetimeFigureOut">
               <a:rPr lang="en-US" smtClean="0"/>
-              <a:t>1/7/2017</a:t>
+              <a:t>11/10/2017</a:t>
             </a:fld>
             <a:endParaRPr lang="en-US"/>
           </a:p>
@@ -3067,7 +3071,7 @@
           <a:p>
             <a:fld id="{78C97017-6FC3-485B-9764-EAC9E56C1D49}" type="datetimeFigureOut">
               <a:rPr lang="en-US" smtClean="0"/>
-              <a:t>1/7/2017</a:t>
+              <a:t>11/10/2017</a:t>
             </a:fld>
             <a:endParaRPr lang="en-US"/>
           </a:p>
@@ -3451,7 +3455,7 @@
         <p:spPr>
           <a:xfrm>
             <a:off x="1217465" y="1447800"/>
-            <a:ext cx="4917083" cy="3962400"/>
+            <a:ext cx="4917083" cy="4419600"/>
           </a:xfrm>
           <a:prstGeom prst="roundRect">
             <a:avLst>
@@ -3945,7 +3949,7 @@
         </p:nvSpPr>
         <p:spPr>
           <a:xfrm>
-            <a:off x="2592527" y="4563759"/>
+            <a:off x="2592527" y="5105400"/>
             <a:ext cx="1093635" cy="236841"/>
           </a:xfrm>
           <a:prstGeom prst="rect">
@@ -4125,7 +4129,7 @@
         </p:nvSpPr>
         <p:spPr>
           <a:xfrm>
-            <a:off x="2592528" y="4966000"/>
+            <a:off x="2592528" y="5486400"/>
             <a:ext cx="1093635" cy="236841"/>
           </a:xfrm>
           <a:prstGeom prst="rect">
@@ -4419,8 +4423,8 @@
         </p:nvCxnSpPr>
         <p:spPr>
           <a:xfrm rot="16200000" flipH="1">
-            <a:off x="1597249" y="3686901"/>
-            <a:ext cx="1814155" cy="176401"/>
+            <a:off x="1326428" y="3957722"/>
+            <a:ext cx="2355796" cy="176401"/>
           </a:xfrm>
           <a:prstGeom prst="bentConnector2">
             <a:avLst/>
@@ -4453,14 +4457,15 @@
         <p:nvCxnSpPr>
           <p:cNvPr id="53" name="Elbow Connector 63"/>
           <p:cNvCxnSpPr>
+            <a:cxnSpLocks/>
             <a:endCxn id="38" idx="1"/>
           </p:cNvCxnSpPr>
           <p:nvPr/>
         </p:nvCxnSpPr>
         <p:spPr>
           <a:xfrm rot="16200000" flipH="1">
-            <a:off x="1184119" y="3676012"/>
-            <a:ext cx="2396440" cy="420377"/>
+            <a:off x="885820" y="3898113"/>
+            <a:ext cx="2993038" cy="420378"/>
           </a:xfrm>
           <a:prstGeom prst="bentConnector2">
             <a:avLst/>
@@ -4743,8 +4748,8 @@
         </p:nvCxnSpPr>
         <p:spPr>
           <a:xfrm rot="5400000">
-            <a:off x="3409976" y="2562187"/>
-            <a:ext cx="2396180" cy="1843807"/>
+            <a:off x="3139156" y="2833007"/>
+            <a:ext cx="2937821" cy="1843807"/>
           </a:xfrm>
           <a:prstGeom prst="bentConnector2">
             <a:avLst/>
@@ -4784,8 +4789,8 @@
         </p:nvCxnSpPr>
         <p:spPr>
           <a:xfrm rot="5400000">
-            <a:off x="3208856" y="2763307"/>
-            <a:ext cx="2798421" cy="1843806"/>
+            <a:off x="2948656" y="3023507"/>
+            <a:ext cx="3318821" cy="1843806"/>
           </a:xfrm>
           <a:prstGeom prst="bentConnector2">
             <a:avLst/>
@@ -5509,6 +5514,322 @@
           </a:p>
         </p:txBody>
       </p:sp>
+      <p:sp>
+        <p:nvSpPr>
+          <p:cNvPr id="60" name="Rectangle 11">
+            <a:extLst>
+              <a:ext uri="{FF2B5EF4-FFF2-40B4-BE49-F238E27FC236}">
+                <a16:creationId xmlns:a16="http://schemas.microsoft.com/office/drawing/2014/main" id="{8F21F886-AFF0-4527-BFF8-0808CCD0CF14}"/>
+              </a:ext>
+            </a:extLst>
+          </p:cNvPr>
+          <p:cNvSpPr/>
+          <p:nvPr/>
+        </p:nvSpPr>
+        <p:spPr>
+          <a:xfrm>
+            <a:off x="2592525" y="4488138"/>
+            <a:ext cx="1093635" cy="236841"/>
+          </a:xfrm>
+          <a:prstGeom prst="rect">
+            <a:avLst/>
+          </a:prstGeom>
+          <a:ln w="19050">
+            <a:solidFill>
+              <a:schemeClr val="accent3"/>
+            </a:solidFill>
+          </a:ln>
+          <a:effectLst/>
+        </p:spPr>
+        <p:style>
+          <a:lnRef idx="1">
+            <a:schemeClr val="accent3"/>
+          </a:lnRef>
+          <a:fillRef idx="2">
+            <a:schemeClr val="accent3"/>
+          </a:fillRef>
+          <a:effectRef idx="1">
+            <a:schemeClr val="accent3"/>
+          </a:effectRef>
+          <a:fontRef idx="minor">
+            <a:schemeClr val="dk1"/>
+          </a:fontRef>
+        </p:style>
+        <p:txBody>
+          <a:bodyPr rtlCol="0" anchor="ctr"/>
+          <a:lstStyle/>
+          <a:p>
+            <a:pPr algn="ctr"/>
+            <a:r>
+              <a:rPr lang="en-US" sz="1050" b="1" dirty="0" err="1">
+                <a:solidFill>
+                  <a:schemeClr val="accent3">
+                    <a:lumMod val="75000"/>
+                  </a:schemeClr>
+                </a:solidFill>
+              </a:rPr>
+              <a:t>GroupListPanel</a:t>
+            </a:r>
+            <a:endParaRPr lang="en-SG" sz="1050" b="1" dirty="0">
+              <a:solidFill>
+                <a:schemeClr val="accent3">
+                  <a:lumMod val="75000"/>
+                </a:schemeClr>
+              </a:solidFill>
+            </a:endParaRPr>
+          </a:p>
+        </p:txBody>
+      </p:sp>
+      <p:sp>
+        <p:nvSpPr>
+          <p:cNvPr id="63" name="Rectangle 11">
+            <a:extLst>
+              <a:ext uri="{FF2B5EF4-FFF2-40B4-BE49-F238E27FC236}">
+                <a16:creationId xmlns:a16="http://schemas.microsoft.com/office/drawing/2014/main" id="{2D91B217-96CE-45F5-BA5B-D93812CD5B99}"/>
+              </a:ext>
+            </a:extLst>
+          </p:cNvPr>
+          <p:cNvSpPr/>
+          <p:nvPr/>
+        </p:nvSpPr>
+        <p:spPr>
+          <a:xfrm>
+            <a:off x="3828758" y="4724400"/>
+            <a:ext cx="1040906" cy="236841"/>
+          </a:xfrm>
+          <a:prstGeom prst="rect">
+            <a:avLst/>
+          </a:prstGeom>
+          <a:ln w="19050">
+            <a:solidFill>
+              <a:schemeClr val="accent3"/>
+            </a:solidFill>
+          </a:ln>
+          <a:effectLst/>
+        </p:spPr>
+        <p:style>
+          <a:lnRef idx="1">
+            <a:schemeClr val="accent3"/>
+          </a:lnRef>
+          <a:fillRef idx="2">
+            <a:schemeClr val="accent3"/>
+          </a:fillRef>
+          <a:effectRef idx="1">
+            <a:schemeClr val="accent3"/>
+          </a:effectRef>
+          <a:fontRef idx="minor">
+            <a:schemeClr val="dk1"/>
+          </a:fontRef>
+        </p:style>
+        <p:txBody>
+          <a:bodyPr rtlCol="0" anchor="ctr"/>
+          <a:lstStyle/>
+          <a:p>
+            <a:pPr algn="ctr"/>
+            <a:r>
+              <a:rPr lang="en-US" sz="1050" b="1" dirty="0" err="1">
+                <a:solidFill>
+                  <a:schemeClr val="accent3">
+                    <a:lumMod val="75000"/>
+                  </a:schemeClr>
+                </a:solidFill>
+              </a:rPr>
+              <a:t>GroupLabel</a:t>
+            </a:r>
+            <a:endParaRPr lang="en-SG" sz="1050" b="1" dirty="0">
+              <a:solidFill>
+                <a:schemeClr val="accent3">
+                  <a:lumMod val="75000"/>
+                </a:schemeClr>
+              </a:solidFill>
+            </a:endParaRPr>
+          </a:p>
+        </p:txBody>
+      </p:sp>
+      <p:cxnSp>
+        <p:nvCxnSpPr>
+          <p:cNvPr id="64" name="Elbow Connector 136">
+            <a:extLst>
+              <a:ext uri="{FF2B5EF4-FFF2-40B4-BE49-F238E27FC236}">
+                <a16:creationId xmlns:a16="http://schemas.microsoft.com/office/drawing/2014/main" id="{62F6D193-CC36-42C8-8F2D-6C98C9D97D63}"/>
+              </a:ext>
+            </a:extLst>
+          </p:cNvPr>
+          <p:cNvCxnSpPr>
+            <a:cxnSpLocks/>
+            <a:stCxn id="60" idx="2"/>
+            <a:endCxn id="63" idx="1"/>
+          </p:cNvCxnSpPr>
+          <p:nvPr/>
+        </p:nvCxnSpPr>
+        <p:spPr>
+          <a:xfrm rot="16200000" flipH="1">
+            <a:off x="3425129" y="4439192"/>
+            <a:ext cx="117842" cy="689415"/>
+          </a:xfrm>
+          <a:prstGeom prst="bentConnector2">
+            <a:avLst/>
+          </a:prstGeom>
+          <a:ln w="19050">
+            <a:solidFill>
+              <a:schemeClr val="accent3"/>
+            </a:solidFill>
+            <a:headEnd type="none" w="med" len="med"/>
+            <a:tailEnd type="arrow" w="med" len="med"/>
+          </a:ln>
+          <a:effectLst/>
+        </p:spPr>
+        <p:style>
+          <a:lnRef idx="1">
+            <a:schemeClr val="accent2"/>
+          </a:lnRef>
+          <a:fillRef idx="2">
+            <a:schemeClr val="accent2"/>
+          </a:fillRef>
+          <a:effectRef idx="1">
+            <a:schemeClr val="accent2"/>
+          </a:effectRef>
+          <a:fontRef idx="minor">
+            <a:schemeClr val="dk1"/>
+          </a:fontRef>
+        </p:style>
+      </p:cxnSp>
+      <p:sp>
+        <p:nvSpPr>
+          <p:cNvPr id="68" name="Freeform 117">
+            <a:extLst>
+              <a:ext uri="{FF2B5EF4-FFF2-40B4-BE49-F238E27FC236}">
+                <a16:creationId xmlns:a16="http://schemas.microsoft.com/office/drawing/2014/main" id="{B615EB61-09E4-45A4-9F73-911A773D8BCF}"/>
+              </a:ext>
+            </a:extLst>
+          </p:cNvPr>
+          <p:cNvSpPr/>
+          <p:nvPr/>
+        </p:nvSpPr>
+        <p:spPr>
+          <a:xfrm flipV="1">
+            <a:off x="4106541" y="4951487"/>
+            <a:ext cx="2628974" cy="159846"/>
+          </a:xfrm>
+          <a:custGeom>
+            <a:avLst/>
+            <a:gdLst>
+              <a:gd name="connsiteX0" fmla="*/ 0 w 3048000"/>
+              <a:gd name="connsiteY0" fmla="*/ 203200 h 203200"/>
+              <a:gd name="connsiteX1" fmla="*/ 221673 w 3048000"/>
+              <a:gd name="connsiteY1" fmla="*/ 0 h 203200"/>
+              <a:gd name="connsiteX2" fmla="*/ 3048000 w 3048000"/>
+              <a:gd name="connsiteY2" fmla="*/ 0 h 203200"/>
+            </a:gdLst>
+            <a:ahLst/>
+            <a:cxnLst>
+              <a:cxn ang="0">
+                <a:pos x="connsiteX0" y="connsiteY0"/>
+              </a:cxn>
+              <a:cxn ang="0">
+                <a:pos x="connsiteX1" y="connsiteY1"/>
+              </a:cxn>
+              <a:cxn ang="0">
+                <a:pos x="connsiteX2" y="connsiteY2"/>
+              </a:cxn>
+            </a:cxnLst>
+            <a:rect l="l" t="t" r="r" b="b"/>
+            <a:pathLst>
+              <a:path w="3048000" h="203200">
+                <a:moveTo>
+                  <a:pt x="0" y="203200"/>
+                </a:moveTo>
+                <a:lnTo>
+                  <a:pt x="221673" y="0"/>
+                </a:lnTo>
+                <a:lnTo>
+                  <a:pt x="3048000" y="0"/>
+                </a:lnTo>
+              </a:path>
+            </a:pathLst>
+          </a:custGeom>
+          <a:noFill/>
+          <a:ln w="19050">
+            <a:solidFill>
+              <a:schemeClr val="accent3"/>
+            </a:solidFill>
+            <a:prstDash val="sysDot"/>
+            <a:headEnd type="none" w="med" len="med"/>
+            <a:tailEnd type="arrow" w="med" len="med"/>
+          </a:ln>
+          <a:effectLst/>
+        </p:spPr>
+        <p:style>
+          <a:lnRef idx="1">
+            <a:schemeClr val="accent2"/>
+          </a:lnRef>
+          <a:fillRef idx="2">
+            <a:schemeClr val="accent2"/>
+          </a:fillRef>
+          <a:effectRef idx="1">
+            <a:schemeClr val="accent2"/>
+          </a:effectRef>
+          <a:fontRef idx="minor">
+            <a:schemeClr val="dk1"/>
+          </a:fontRef>
+        </p:style>
+        <p:txBody>
+          <a:bodyPr rtlCol="0" anchor="ctr"/>
+          <a:lstStyle/>
+          <a:p>
+            <a:pPr algn="ctr"/>
+            <a:endParaRPr lang="en-SG"/>
+          </a:p>
+        </p:txBody>
+      </p:sp>
+      <p:cxnSp>
+        <p:nvCxnSpPr>
+          <p:cNvPr id="71" name="Elbow Connector 63">
+            <a:extLst>
+              <a:ext uri="{FF2B5EF4-FFF2-40B4-BE49-F238E27FC236}">
+                <a16:creationId xmlns:a16="http://schemas.microsoft.com/office/drawing/2014/main" id="{14A30F03-85F0-4A42-A890-48EF746C6931}"/>
+              </a:ext>
+            </a:extLst>
+          </p:cNvPr>
+          <p:cNvCxnSpPr>
+            <a:cxnSpLocks/>
+            <a:stCxn id="39" idx="2"/>
+            <a:endCxn id="60" idx="1"/>
+          </p:cNvCxnSpPr>
+          <p:nvPr/>
+        </p:nvCxnSpPr>
+        <p:spPr>
+          <a:xfrm rot="16200000" flipH="1">
+            <a:off x="1635058" y="3649092"/>
+            <a:ext cx="1738534" cy="176399"/>
+          </a:xfrm>
+          <a:prstGeom prst="bentConnector2">
+            <a:avLst/>
+          </a:prstGeom>
+          <a:ln w="19050">
+            <a:solidFill>
+              <a:schemeClr val="accent3"/>
+            </a:solidFill>
+            <a:headEnd type="none" w="med" len="med"/>
+            <a:tailEnd type="arrow" w="med" len="med"/>
+          </a:ln>
+          <a:effectLst/>
+        </p:spPr>
+        <p:style>
+          <a:lnRef idx="1">
+            <a:schemeClr val="accent2"/>
+          </a:lnRef>
+          <a:fillRef idx="2">
+            <a:schemeClr val="accent2"/>
+          </a:fillRef>
+          <a:effectRef idx="1">
+            <a:schemeClr val="accent2"/>
+          </a:effectRef>
+          <a:fontRef idx="minor">
+            <a:schemeClr val="dk1"/>
+          </a:fontRef>
+        </p:style>
+      </p:cxnSp>
     </p:spTree>
     <p:extLst>
       <p:ext uri="{BB962C8B-B14F-4D97-AF65-F5344CB8AC3E}">

--- a/docs/diagrams/UiComponentClassDiagram.pptx
+++ b/docs/diagrams/UiComponentClassDiagram.pptx
@@ -212,7 +212,7 @@
           <a:p>
             <a:fld id="{F5CC4B3F-88C1-4FFA-B1B6-F41C21DC6924}" type="datetimeFigureOut">
               <a:rPr lang="en-US" smtClean="0"/>
-              <a:t>11/10/2017</a:t>
+              <a:t>11/12/17</a:t>
             </a:fld>
             <a:endParaRPr lang="en-US"/>
           </a:p>
@@ -658,7 +658,7 @@
           <a:p>
             <a:fld id="{78C97017-6FC3-485B-9764-EAC9E56C1D49}" type="datetimeFigureOut">
               <a:rPr lang="en-US" smtClean="0"/>
-              <a:t>11/10/2017</a:t>
+              <a:t>11/12/17</a:t>
             </a:fld>
             <a:endParaRPr lang="en-US"/>
           </a:p>
@@ -826,7 +826,7 @@
           <a:p>
             <a:fld id="{78C97017-6FC3-485B-9764-EAC9E56C1D49}" type="datetimeFigureOut">
               <a:rPr lang="en-US" smtClean="0"/>
-              <a:t>11/10/2017</a:t>
+              <a:t>11/12/17</a:t>
             </a:fld>
             <a:endParaRPr lang="en-US"/>
           </a:p>
@@ -1004,7 +1004,7 @@
           <a:p>
             <a:fld id="{78C97017-6FC3-485B-9764-EAC9E56C1D49}" type="datetimeFigureOut">
               <a:rPr lang="en-US" smtClean="0"/>
-              <a:t>11/10/2017</a:t>
+              <a:t>11/12/17</a:t>
             </a:fld>
             <a:endParaRPr lang="en-US"/>
           </a:p>
@@ -1172,7 +1172,7 @@
           <a:p>
             <a:fld id="{78C97017-6FC3-485B-9764-EAC9E56C1D49}" type="datetimeFigureOut">
               <a:rPr lang="en-US" smtClean="0"/>
-              <a:t>11/10/2017</a:t>
+              <a:t>11/12/17</a:t>
             </a:fld>
             <a:endParaRPr lang="en-US"/>
           </a:p>
@@ -1417,7 +1417,7 @@
           <a:p>
             <a:fld id="{78C97017-6FC3-485B-9764-EAC9E56C1D49}" type="datetimeFigureOut">
               <a:rPr lang="en-US" smtClean="0"/>
-              <a:t>11/10/2017</a:t>
+              <a:t>11/12/17</a:t>
             </a:fld>
             <a:endParaRPr lang="en-US"/>
           </a:p>
@@ -1702,7 +1702,7 @@
           <a:p>
             <a:fld id="{78C97017-6FC3-485B-9764-EAC9E56C1D49}" type="datetimeFigureOut">
               <a:rPr lang="en-US" smtClean="0"/>
-              <a:t>11/10/2017</a:t>
+              <a:t>11/12/17</a:t>
             </a:fld>
             <a:endParaRPr lang="en-US"/>
           </a:p>
@@ -2121,7 +2121,7 @@
           <a:p>
             <a:fld id="{78C97017-6FC3-485B-9764-EAC9E56C1D49}" type="datetimeFigureOut">
               <a:rPr lang="en-US" smtClean="0"/>
-              <a:t>11/10/2017</a:t>
+              <a:t>11/12/17</a:t>
             </a:fld>
             <a:endParaRPr lang="en-US"/>
           </a:p>
@@ -2238,7 +2238,7 @@
           <a:p>
             <a:fld id="{78C97017-6FC3-485B-9764-EAC9E56C1D49}" type="datetimeFigureOut">
               <a:rPr lang="en-US" smtClean="0"/>
-              <a:t>11/10/2017</a:t>
+              <a:t>11/12/17</a:t>
             </a:fld>
             <a:endParaRPr lang="en-US"/>
           </a:p>
@@ -2333,7 +2333,7 @@
           <a:p>
             <a:fld id="{78C97017-6FC3-485B-9764-EAC9E56C1D49}" type="datetimeFigureOut">
               <a:rPr lang="en-US" smtClean="0"/>
-              <a:t>11/10/2017</a:t>
+              <a:t>11/12/17</a:t>
             </a:fld>
             <a:endParaRPr lang="en-US"/>
           </a:p>
@@ -2608,7 +2608,7 @@
           <a:p>
             <a:fld id="{78C97017-6FC3-485B-9764-EAC9E56C1D49}" type="datetimeFigureOut">
               <a:rPr lang="en-US" smtClean="0"/>
-              <a:t>11/10/2017</a:t>
+              <a:t>11/12/17</a:t>
             </a:fld>
             <a:endParaRPr lang="en-US"/>
           </a:p>
@@ -2860,7 +2860,7 @@
           <a:p>
             <a:fld id="{78C97017-6FC3-485B-9764-EAC9E56C1D49}" type="datetimeFigureOut">
               <a:rPr lang="en-US" smtClean="0"/>
-              <a:t>11/10/2017</a:t>
+              <a:t>11/12/17</a:t>
             </a:fld>
             <a:endParaRPr lang="en-US"/>
           </a:p>
@@ -3071,7 +3071,7 @@
           <a:p>
             <a:fld id="{78C97017-6FC3-485B-9764-EAC9E56C1D49}" type="datetimeFigureOut">
               <a:rPr lang="en-US" smtClean="0"/>
-              <a:t>11/10/2017</a:t>
+              <a:t>11/12/17</a:t>
             </a:fld>
             <a:endParaRPr lang="en-US"/>
           </a:p>
@@ -3455,7 +3455,7 @@
         <p:spPr>
           <a:xfrm>
             <a:off x="1217465" y="1447800"/>
-            <a:ext cx="4917083" cy="4419600"/>
+            <a:ext cx="4917083" cy="4724400"/>
           </a:xfrm>
           <a:prstGeom prst="roundRect">
             <a:avLst>
@@ -4129,7 +4129,7 @@
         </p:nvSpPr>
         <p:spPr>
           <a:xfrm>
-            <a:off x="2592528" y="5486400"/>
+            <a:off x="2592523" y="5858975"/>
             <a:ext cx="1093635" cy="236841"/>
           </a:xfrm>
           <a:prstGeom prst="rect">
@@ -4464,8 +4464,8 @@
         </p:nvCxnSpPr>
         <p:spPr>
           <a:xfrm rot="16200000" flipH="1">
-            <a:off x="885820" y="3898113"/>
-            <a:ext cx="2993038" cy="420378"/>
+            <a:off x="769068" y="4153941"/>
+            <a:ext cx="3277600" cy="369309"/>
           </a:xfrm>
           <a:prstGeom prst="bentConnector2">
             <a:avLst/>
@@ -4740,10 +4740,7 @@
       <p:cxnSp>
         <p:nvCxnSpPr>
           <p:cNvPr id="91" name="Elbow Connector 63"/>
-          <p:cNvCxnSpPr>
-            <a:stCxn id="16" idx="3"/>
-            <a:endCxn id="35" idx="3"/>
-          </p:cNvCxnSpPr>
+          <p:cNvCxnSpPr/>
           <p:nvPr/>
         </p:nvCxnSpPr>
         <p:spPr>
@@ -4789,8 +4786,8 @@
         </p:nvCxnSpPr>
         <p:spPr>
           <a:xfrm rot="5400000">
-            <a:off x="2948656" y="3023507"/>
-            <a:ext cx="3318821" cy="1843806"/>
+            <a:off x="2762366" y="3209793"/>
+            <a:ext cx="3691396" cy="1843811"/>
           </a:xfrm>
           <a:prstGeom prst="bentConnector2">
             <a:avLst/>
@@ -5519,7 +5516,7 @@
           <p:cNvPr id="60" name="Rectangle 11">
             <a:extLst>
               <a:ext uri="{FF2B5EF4-FFF2-40B4-BE49-F238E27FC236}">
-                <a16:creationId xmlns:a16="http://schemas.microsoft.com/office/drawing/2014/main" id="{8F21F886-AFF0-4527-BFF8-0808CCD0CF14}"/>
+                <a16:creationId xmlns:a16="http://schemas.microsoft.com/office/drawing/2014/main" xmlns="" id="{8F21F886-AFF0-4527-BFF8-0808CCD0CF14}"/>
               </a:ext>
             </a:extLst>
           </p:cNvPr>
@@ -5585,7 +5582,7 @@
           <p:cNvPr id="63" name="Rectangle 11">
             <a:extLst>
               <a:ext uri="{FF2B5EF4-FFF2-40B4-BE49-F238E27FC236}">
-                <a16:creationId xmlns:a16="http://schemas.microsoft.com/office/drawing/2014/main" id="{2D91B217-96CE-45F5-BA5B-D93812CD5B99}"/>
+                <a16:creationId xmlns:a16="http://schemas.microsoft.com/office/drawing/2014/main" xmlns="" id="{2D91B217-96CE-45F5-BA5B-D93812CD5B99}"/>
               </a:ext>
             </a:extLst>
           </p:cNvPr>
@@ -5651,7 +5648,7 @@
           <p:cNvPr id="64" name="Elbow Connector 136">
             <a:extLst>
               <a:ext uri="{FF2B5EF4-FFF2-40B4-BE49-F238E27FC236}">
-                <a16:creationId xmlns:a16="http://schemas.microsoft.com/office/drawing/2014/main" id="{62F6D193-CC36-42C8-8F2D-6C98C9D97D63}"/>
+                <a16:creationId xmlns:a16="http://schemas.microsoft.com/office/drawing/2014/main" xmlns="" id="{62F6D193-CC36-42C8-8F2D-6C98C9D97D63}"/>
               </a:ext>
             </a:extLst>
           </p:cNvPr>
@@ -5699,7 +5696,7 @@
           <p:cNvPr id="68" name="Freeform 117">
             <a:extLst>
               <a:ext uri="{FF2B5EF4-FFF2-40B4-BE49-F238E27FC236}">
-                <a16:creationId xmlns:a16="http://schemas.microsoft.com/office/drawing/2014/main" id="{B615EB61-09E4-45A4-9F73-911A773D8BCF}"/>
+                <a16:creationId xmlns:a16="http://schemas.microsoft.com/office/drawing/2014/main" xmlns="" id="{B615EB61-09E4-45A4-9F73-911A773D8BCF}"/>
               </a:ext>
             </a:extLst>
           </p:cNvPr>
@@ -5787,7 +5784,7 @@
           <p:cNvPr id="71" name="Elbow Connector 63">
             <a:extLst>
               <a:ext uri="{FF2B5EF4-FFF2-40B4-BE49-F238E27FC236}">
-                <a16:creationId xmlns:a16="http://schemas.microsoft.com/office/drawing/2014/main" id="{14A30F03-85F0-4A42-A890-48EF746C6931}"/>
+                <a16:creationId xmlns:a16="http://schemas.microsoft.com/office/drawing/2014/main" xmlns="" id="{14A30F03-85F0-4A42-A890-48EF746C6931}"/>
               </a:ext>
             </a:extLst>
           </p:cNvPr>
@@ -5812,6 +5809,144 @@
             </a:solidFill>
             <a:headEnd type="none" w="med" len="med"/>
             <a:tailEnd type="arrow" w="med" len="med"/>
+          </a:ln>
+          <a:effectLst/>
+        </p:spPr>
+        <p:style>
+          <a:lnRef idx="1">
+            <a:schemeClr val="accent2"/>
+          </a:lnRef>
+          <a:fillRef idx="2">
+            <a:schemeClr val="accent2"/>
+          </a:fillRef>
+          <a:effectRef idx="1">
+            <a:schemeClr val="accent2"/>
+          </a:effectRef>
+          <a:fontRef idx="minor">
+            <a:schemeClr val="dk1"/>
+          </a:fontRef>
+        </p:style>
+      </p:cxnSp>
+      <p:cxnSp>
+        <p:nvCxnSpPr>
+          <p:cNvPr id="51" name="Elbow Connector 63"/>
+          <p:cNvCxnSpPr/>
+          <p:nvPr/>
+        </p:nvCxnSpPr>
+        <p:spPr>
+          <a:xfrm rot="16200000" flipH="1">
+            <a:off x="1324701" y="4372701"/>
+            <a:ext cx="2355796" cy="176401"/>
+          </a:xfrm>
+          <a:prstGeom prst="bentConnector2">
+            <a:avLst/>
+          </a:prstGeom>
+          <a:ln w="19050">
+            <a:solidFill>
+              <a:schemeClr val="accent3"/>
+            </a:solidFill>
+            <a:headEnd type="none" w="med" len="med"/>
+            <a:tailEnd type="arrow" w="med" len="med"/>
+          </a:ln>
+          <a:effectLst/>
+        </p:spPr>
+        <p:style>
+          <a:lnRef idx="1">
+            <a:schemeClr val="accent2"/>
+          </a:lnRef>
+          <a:fillRef idx="2">
+            <a:schemeClr val="accent2"/>
+          </a:fillRef>
+          <a:effectRef idx="1">
+            <a:schemeClr val="accent2"/>
+          </a:effectRef>
+          <a:fontRef idx="minor">
+            <a:schemeClr val="dk1"/>
+          </a:fontRef>
+        </p:style>
+      </p:cxnSp>
+      <p:sp>
+        <p:nvSpPr>
+          <p:cNvPr id="52" name="Rectangle 11"/>
+          <p:cNvSpPr/>
+          <p:nvPr/>
+        </p:nvSpPr>
+        <p:spPr>
+          <a:xfrm>
+            <a:off x="2590800" y="5496784"/>
+            <a:ext cx="1523999" cy="252497"/>
+          </a:xfrm>
+          <a:prstGeom prst="rect">
+            <a:avLst/>
+          </a:prstGeom>
+          <a:ln w="19050">
+            <a:solidFill>
+              <a:schemeClr val="accent3"/>
+            </a:solidFill>
+          </a:ln>
+          <a:effectLst/>
+        </p:spPr>
+        <p:style>
+          <a:lnRef idx="1">
+            <a:schemeClr val="accent3"/>
+          </a:lnRef>
+          <a:fillRef idx="2">
+            <a:schemeClr val="accent3"/>
+          </a:fillRef>
+          <a:effectRef idx="1">
+            <a:schemeClr val="accent3"/>
+          </a:effectRef>
+          <a:fontRef idx="minor">
+            <a:schemeClr val="dk1"/>
+          </a:fontRef>
+        </p:style>
+        <p:txBody>
+          <a:bodyPr rtlCol="0" anchor="ctr"/>
+          <a:lstStyle/>
+          <a:p>
+            <a:pPr algn="ctr"/>
+            <a:r>
+              <a:rPr lang="en-US" sz="1050" b="1" dirty="0" err="1" smtClean="0">
+                <a:solidFill>
+                  <a:schemeClr val="accent3">
+                    <a:lumMod val="75000"/>
+                  </a:schemeClr>
+                </a:solidFill>
+              </a:rPr>
+              <a:t>PersonDescriptionPanel</a:t>
+            </a:r>
+            <a:endParaRPr lang="en-SG" sz="1050" b="1" dirty="0">
+              <a:solidFill>
+                <a:schemeClr val="accent3">
+                  <a:lumMod val="75000"/>
+                </a:schemeClr>
+              </a:solidFill>
+            </a:endParaRPr>
+          </a:p>
+        </p:txBody>
+      </p:sp>
+      <p:cxnSp>
+        <p:nvCxnSpPr>
+          <p:cNvPr id="54" name="Elbow Connector 63"/>
+          <p:cNvCxnSpPr/>
+          <p:nvPr/>
+        </p:nvCxnSpPr>
+        <p:spPr>
+          <a:xfrm rot="10800000" flipV="1">
+            <a:off x="4125779" y="5638799"/>
+            <a:ext cx="1411737" cy="5473"/>
+          </a:xfrm>
+          <a:prstGeom prst="bentConnector3">
+            <a:avLst>
+              <a:gd name="adj1" fmla="val 650"/>
+            </a:avLst>
+          </a:prstGeom>
+          <a:ln w="6350">
+            <a:solidFill>
+              <a:schemeClr val="accent3"/>
+            </a:solidFill>
+            <a:headEnd type="none" w="med" len="med"/>
+            <a:tailEnd type="none" w="med" len="med"/>
           </a:ln>
           <a:effectLst/>
         </p:spPr>
